--- a/Presentations/ELive_2016/listagg_v2.pptx
+++ b/Presentations/ELive_2016/listagg_v2.pptx
@@ -4301,7 +4301,6 @@
               <a:rPr lang="en-US" dirty="0"/>
               <a:t>Sorry – had to find an excuse to show off my daughter</a:t>
             </a:r>
-            <a:endParaRPr lang="en-US" dirty="0"/>
           </a:p>
         </p:txBody>
       </p:sp>
@@ -4803,7 +4802,15 @@
             </a:pPr>
             <a:r>
               <a:rPr lang="en-US" dirty="0" smtClean="0"/>
-              <a:t>Cumbersome, but it works with no sequence number. Still – too lengthy for my taste.</a:t>
+              <a:t>Cumbersome, but it </a:t>
+            </a:r>
+            <a:r>
+              <a:rPr lang="en-US" dirty="0" smtClean="0"/>
+              <a:t>works. </a:t>
+            </a:r>
+            <a:r>
+              <a:rPr lang="en-US" dirty="0" smtClean="0"/>
+              <a:t>Still – too lengthy for my taste.</a:t>
             </a:r>
             <a:endParaRPr lang="en-US" dirty="0"/>
           </a:p>
@@ -5338,12 +5345,12 @@
           <a:lstStyle/>
           <a:p>
             <a:r>
-              <a:rPr lang="en-US" dirty="0" err="1" smtClean="0"/>
-              <a:t>Dyanmic</a:t>
+              <a:rPr lang="en-US" smtClean="0"/>
+              <a:t>Dynamic </a:t>
             </a:r>
             <a:r>
               <a:rPr lang="en-US" dirty="0" smtClean="0"/>
-              <a:t> (knows how many rows exist in a group, so is superior to using MAX(DECODE(&lt;</a:t>
+              <a:t>(knows how many rows exist in a group, so is superior to using MAX(DECODE(&lt;</a:t>
             </a:r>
             <a:r>
               <a:rPr lang="en-US" dirty="0" err="1" smtClean="0"/>
